--- a/docs/diagrams/SwitchThemeSequenceDiagram.pptx
+++ b/docs/diagrams/SwitchThemeSequenceDiagram.pptx
@@ -208,7 +208,7 @@
           <a:p>
             <a:fld id="{F5CC4B3F-88C1-4FFA-B1B6-F41C21DC6924}" type="datetimeFigureOut">
               <a:rPr lang="en-US" smtClean="0"/>
-              <a:t>10/31/17</a:t>
+              <a:t>11/7/17</a:t>
             </a:fld>
             <a:endParaRPr lang="en-US"/>
           </a:p>
@@ -475,6 +475,90 @@
 </p:notesMaster>
 </file>
 
+<file path=ppt/notesSlides/notesSlide1.xml><?xml version="1.0" encoding="utf-8"?>
+<p:notes xmlns:a="http://schemas.openxmlformats.org/drawingml/2006/main" xmlns:r="http://schemas.openxmlformats.org/officeDocument/2006/relationships" xmlns:p="http://schemas.openxmlformats.org/presentationml/2006/main">
+  <p:cSld>
+    <p:spTree>
+      <p:nvGrpSpPr>
+        <p:cNvPr id="1" name=""/>
+        <p:cNvGrpSpPr/>
+        <p:nvPr/>
+      </p:nvGrpSpPr>
+      <p:grpSpPr>
+        <a:xfrm>
+          <a:off x="0" y="0"/>
+          <a:ext cx="0" cy="0"/>
+          <a:chOff x="0" y="0"/>
+          <a:chExt cx="0" cy="0"/>
+        </a:xfrm>
+      </p:grpSpPr>
+      <p:sp>
+        <p:nvSpPr>
+          <p:cNvPr id="2" name="Slide Image Placeholder 1"/>
+          <p:cNvSpPr>
+            <a:spLocks noGrp="1" noRot="1" noChangeAspect="1"/>
+          </p:cNvSpPr>
+          <p:nvPr>
+            <p:ph type="sldImg"/>
+          </p:nvPr>
+        </p:nvSpPr>
+        <p:spPr/>
+      </p:sp>
+      <p:sp>
+        <p:nvSpPr>
+          <p:cNvPr id="3" name="Notes Placeholder 2"/>
+          <p:cNvSpPr>
+            <a:spLocks noGrp="1"/>
+          </p:cNvSpPr>
+          <p:nvPr>
+            <p:ph type="body" idx="1"/>
+          </p:nvPr>
+        </p:nvSpPr>
+        <p:spPr/>
+        <p:txBody>
+          <a:bodyPr/>
+          <a:lstStyle/>
+          <a:p>
+            <a:endParaRPr lang="en-US" dirty="0"/>
+          </a:p>
+        </p:txBody>
+      </p:sp>
+      <p:sp>
+        <p:nvSpPr>
+          <p:cNvPr id="4" name="Slide Number Placeholder 3"/>
+          <p:cNvSpPr>
+            <a:spLocks noGrp="1"/>
+          </p:cNvSpPr>
+          <p:nvPr>
+            <p:ph type="sldNum" sz="quarter" idx="10"/>
+          </p:nvPr>
+        </p:nvSpPr>
+        <p:spPr/>
+        <p:txBody>
+          <a:bodyPr/>
+          <a:lstStyle/>
+          <a:p>
+            <a:fld id="{5A7AB025-77E3-4BD1-A2FD-B3183DBA47A3}" type="slidenum">
+              <a:rPr lang="en-US" smtClean="0"/>
+              <a:t>1</a:t>
+            </a:fld>
+            <a:endParaRPr lang="en-US"/>
+          </a:p>
+        </p:txBody>
+      </p:sp>
+    </p:spTree>
+    <p:extLst>
+      <p:ext uri="{BB962C8B-B14F-4D97-AF65-F5344CB8AC3E}">
+        <p14:creationId xmlns:p14="http://schemas.microsoft.com/office/powerpoint/2010/main" val="207492905"/>
+      </p:ext>
+    </p:extLst>
+  </p:cSld>
+  <p:clrMapOvr>
+    <a:masterClrMapping/>
+  </p:clrMapOvr>
+</p:notes>
+</file>
+
 <file path=ppt/slideLayouts/slideLayout1.xml><?xml version="1.0" encoding="utf-8"?>
 <p:sldLayout xmlns:a="http://schemas.openxmlformats.org/drawingml/2006/main" xmlns:r="http://schemas.openxmlformats.org/officeDocument/2006/relationships" xmlns:p="http://schemas.openxmlformats.org/presentationml/2006/main" type="title" preserve="1">
   <p:cSld name="Title Slide">
@@ -654,7 +738,7 @@
           <a:p>
             <a:fld id="{78C97017-6FC3-485B-9764-EAC9E56C1D49}" type="datetimeFigureOut">
               <a:rPr lang="en-US" smtClean="0"/>
-              <a:t>10/31/17</a:t>
+              <a:t>11/7/17</a:t>
             </a:fld>
             <a:endParaRPr lang="en-US"/>
           </a:p>
@@ -822,7 +906,7 @@
           <a:p>
             <a:fld id="{78C97017-6FC3-485B-9764-EAC9E56C1D49}" type="datetimeFigureOut">
               <a:rPr lang="en-US" smtClean="0"/>
-              <a:t>10/31/17</a:t>
+              <a:t>11/7/17</a:t>
             </a:fld>
             <a:endParaRPr lang="en-US"/>
           </a:p>
@@ -1000,7 +1084,7 @@
           <a:p>
             <a:fld id="{78C97017-6FC3-485B-9764-EAC9E56C1D49}" type="datetimeFigureOut">
               <a:rPr lang="en-US" smtClean="0"/>
-              <a:t>10/31/17</a:t>
+              <a:t>11/7/17</a:t>
             </a:fld>
             <a:endParaRPr lang="en-US"/>
           </a:p>
@@ -1168,7 +1252,7 @@
           <a:p>
             <a:fld id="{78C97017-6FC3-485B-9764-EAC9E56C1D49}" type="datetimeFigureOut">
               <a:rPr lang="en-US" smtClean="0"/>
-              <a:t>10/31/17</a:t>
+              <a:t>11/7/17</a:t>
             </a:fld>
             <a:endParaRPr lang="en-US"/>
           </a:p>
@@ -1413,7 +1497,7 @@
           <a:p>
             <a:fld id="{78C97017-6FC3-485B-9764-EAC9E56C1D49}" type="datetimeFigureOut">
               <a:rPr lang="en-US" smtClean="0"/>
-              <a:t>10/31/17</a:t>
+              <a:t>11/7/17</a:t>
             </a:fld>
             <a:endParaRPr lang="en-US"/>
           </a:p>
@@ -1698,7 +1782,7 @@
           <a:p>
             <a:fld id="{78C97017-6FC3-485B-9764-EAC9E56C1D49}" type="datetimeFigureOut">
               <a:rPr lang="en-US" smtClean="0"/>
-              <a:t>10/31/17</a:t>
+              <a:t>11/7/17</a:t>
             </a:fld>
             <a:endParaRPr lang="en-US"/>
           </a:p>
@@ -2117,7 +2201,7 @@
           <a:p>
             <a:fld id="{78C97017-6FC3-485B-9764-EAC9E56C1D49}" type="datetimeFigureOut">
               <a:rPr lang="en-US" smtClean="0"/>
-              <a:t>10/31/17</a:t>
+              <a:t>11/7/17</a:t>
             </a:fld>
             <a:endParaRPr lang="en-US"/>
           </a:p>
@@ -2234,7 +2318,7 @@
           <a:p>
             <a:fld id="{78C97017-6FC3-485B-9764-EAC9E56C1D49}" type="datetimeFigureOut">
               <a:rPr lang="en-US" smtClean="0"/>
-              <a:t>10/31/17</a:t>
+              <a:t>11/7/17</a:t>
             </a:fld>
             <a:endParaRPr lang="en-US"/>
           </a:p>
@@ -2329,7 +2413,7 @@
           <a:p>
             <a:fld id="{78C97017-6FC3-485B-9764-EAC9E56C1D49}" type="datetimeFigureOut">
               <a:rPr lang="en-US" smtClean="0"/>
-              <a:t>10/31/17</a:t>
+              <a:t>11/7/17</a:t>
             </a:fld>
             <a:endParaRPr lang="en-US"/>
           </a:p>
@@ -2604,7 +2688,7 @@
           <a:p>
             <a:fld id="{78C97017-6FC3-485B-9764-EAC9E56C1D49}" type="datetimeFigureOut">
               <a:rPr lang="en-US" smtClean="0"/>
-              <a:t>10/31/17</a:t>
+              <a:t>11/7/17</a:t>
             </a:fld>
             <a:endParaRPr lang="en-US"/>
           </a:p>
@@ -2856,7 +2940,7 @@
           <a:p>
             <a:fld id="{78C97017-6FC3-485B-9764-EAC9E56C1D49}" type="datetimeFigureOut">
               <a:rPr lang="en-US" smtClean="0"/>
-              <a:t>10/31/17</a:t>
+              <a:t>11/7/17</a:t>
             </a:fld>
             <a:endParaRPr lang="en-US"/>
           </a:p>
@@ -3067,7 +3151,7 @@
           <a:p>
             <a:fld id="{78C97017-6FC3-485B-9764-EAC9E56C1D49}" type="datetimeFigureOut">
               <a:rPr lang="en-US" smtClean="0"/>
-              <a:t>10/31/17</a:t>
+              <a:t>11/7/17</a:t>
             </a:fld>
             <a:endParaRPr lang="en-US"/>
           </a:p>
@@ -3450,7 +3534,7 @@
         </p:nvSpPr>
         <p:spPr>
           <a:xfrm>
-            <a:off x="711194" y="315112"/>
+            <a:off x="1015994" y="315112"/>
             <a:ext cx="13081006" cy="6390488"/>
           </a:xfrm>
           <a:prstGeom prst="roundRect">
@@ -3503,7 +3587,7 @@
         </p:nvSpPr>
         <p:spPr>
           <a:xfrm>
-            <a:off x="883144" y="615785"/>
+            <a:off x="1187944" y="615785"/>
             <a:ext cx="1455629" cy="346760"/>
           </a:xfrm>
           <a:prstGeom prst="rect">
@@ -3572,7 +3656,7 @@
         </p:nvCxnSpPr>
         <p:spPr>
           <a:xfrm>
-            <a:off x="1577050" y="914400"/>
+            <a:off x="1881850" y="914400"/>
             <a:ext cx="33909" cy="5334000"/>
           </a:xfrm>
           <a:prstGeom prst="line">
@@ -3609,7 +3693,7 @@
         </p:nvSpPr>
         <p:spPr>
           <a:xfrm>
-            <a:off x="1538951" y="1258311"/>
+            <a:off x="1843751" y="1258311"/>
             <a:ext cx="129662" cy="3999489"/>
           </a:xfrm>
           <a:prstGeom prst="rect">
@@ -3656,7 +3740,7 @@
         </p:nvSpPr>
         <p:spPr>
           <a:xfrm>
-            <a:off x="3437188" y="423022"/>
+            <a:off x="3741988" y="423022"/>
             <a:ext cx="1219200" cy="467684"/>
           </a:xfrm>
           <a:prstGeom prst="rect">
@@ -3728,7 +3812,7 @@
         </p:nvCxnSpPr>
         <p:spPr>
           <a:xfrm>
-            <a:off x="4050587" y="907617"/>
+            <a:off x="4355387" y="907617"/>
             <a:ext cx="5197" cy="5569383"/>
           </a:xfrm>
           <a:prstGeom prst="line">
@@ -3765,7 +3849,7 @@
         </p:nvSpPr>
         <p:spPr>
           <a:xfrm>
-            <a:off x="3978580" y="1365810"/>
+            <a:off x="4283380" y="1365810"/>
             <a:ext cx="154408" cy="767790"/>
           </a:xfrm>
           <a:prstGeom prst="rect">
@@ -3820,8 +3904,8 @@
         </p:nvCxnSpPr>
         <p:spPr>
           <a:xfrm>
-            <a:off x="5602082" y="1613633"/>
-            <a:ext cx="0" cy="3814364"/>
+            <a:off x="5906882" y="2238597"/>
+            <a:ext cx="0" cy="3189400"/>
           </a:xfrm>
           <a:prstGeom prst="line">
             <a:avLst/>
@@ -3857,7 +3941,7 @@
         </p:nvSpPr>
         <p:spPr>
           <a:xfrm>
-            <a:off x="5525882" y="1613633"/>
+            <a:off x="5830682" y="2238597"/>
             <a:ext cx="152400" cy="276003"/>
           </a:xfrm>
           <a:prstGeom prst="rect">
@@ -3904,7 +3988,7 @@
         </p:nvCxnSpPr>
         <p:spPr>
           <a:xfrm>
-            <a:off x="419100" y="1261999"/>
+            <a:off x="723900" y="1261999"/>
             <a:ext cx="1119851" cy="0"/>
           </a:xfrm>
           <a:prstGeom prst="straightConnector1">
@@ -3940,8 +4024,8 @@
         </p:nvSpPr>
         <p:spPr>
           <a:xfrm>
-            <a:off x="38100" y="990600"/>
-            <a:ext cx="1424846" cy="215444"/>
+            <a:off x="37627" y="1005287"/>
+            <a:ext cx="1761452" cy="215444"/>
           </a:xfrm>
           <a:prstGeom prst="rect">
             <a:avLst/>
@@ -3972,12 +4056,12 @@
               <a:t>(“</a:t>
             </a:r>
             <a:r>
-              <a:rPr lang="en-US" sz="1400" dirty="0" err="1" smtClean="0">
+              <a:rPr lang="en-US" sz="1400" dirty="0" smtClean="0">
                 <a:solidFill>
                   <a:srgbClr val="0070C0"/>
                 </a:solidFill>
               </a:rPr>
-              <a:t>swt</a:t>
+              <a:t>theme dark</a:t>
             </a:r>
             <a:r>
               <a:rPr lang="en-US" sz="1400" dirty="0" smtClean="0">
@@ -4003,7 +4087,7 @@
         </p:nvCxnSpPr>
         <p:spPr>
           <a:xfrm flipV="1">
-            <a:off x="4135972" y="1512340"/>
+            <a:off x="4441547" y="1668174"/>
             <a:ext cx="922392" cy="1"/>
           </a:xfrm>
           <a:prstGeom prst="straightConnector1">
@@ -4039,7 +4123,7 @@
         </p:nvSpPr>
         <p:spPr>
           <a:xfrm>
-            <a:off x="3243421" y="2484071"/>
+            <a:off x="3548221" y="2484071"/>
             <a:ext cx="855809" cy="215444"/>
           </a:xfrm>
           <a:prstGeom prst="rect">
@@ -4078,9 +4162,9 @@
           <p:nvPr/>
         </p:nvCxnSpPr>
         <p:spPr>
-          <a:xfrm>
-            <a:off x="4109108" y="1878232"/>
-            <a:ext cx="1492974" cy="0"/>
+          <a:xfrm flipV="1">
+            <a:off x="4427875" y="2013515"/>
+            <a:ext cx="725541" cy="6569"/>
           </a:xfrm>
           <a:prstGeom prst="straightConnector1">
             <a:avLst/>
@@ -4119,7 +4203,7 @@
         </p:nvCxnSpPr>
         <p:spPr>
           <a:xfrm>
-            <a:off x="1691351" y="2133600"/>
+            <a:off x="1996151" y="2133600"/>
             <a:ext cx="2348067" cy="0"/>
           </a:xfrm>
           <a:prstGeom prst="straightConnector1">
@@ -4157,7 +4241,7 @@
         </p:nvCxnSpPr>
         <p:spPr>
           <a:xfrm>
-            <a:off x="354619" y="5197703"/>
+            <a:off x="659419" y="5197703"/>
             <a:ext cx="1196051" cy="0"/>
           </a:xfrm>
           <a:prstGeom prst="straightConnector1">
@@ -4195,7 +4279,7 @@
         </p:nvSpPr>
         <p:spPr>
           <a:xfrm>
-            <a:off x="5526488" y="2731313"/>
+            <a:off x="5831288" y="2731313"/>
             <a:ext cx="142042" cy="2145487"/>
           </a:xfrm>
           <a:prstGeom prst="rect">
@@ -4244,7 +4328,7 @@
         </p:nvCxnSpPr>
         <p:spPr>
           <a:xfrm>
-            <a:off x="5687956" y="4004617"/>
+            <a:off x="5992756" y="4004617"/>
             <a:ext cx="2922644" cy="0"/>
           </a:xfrm>
           <a:prstGeom prst="straightConnector1">
@@ -4280,8 +4364,8 @@
         </p:nvSpPr>
         <p:spPr>
           <a:xfrm>
-            <a:off x="1885189" y="1106150"/>
-            <a:ext cx="1899551" cy="215444"/>
+            <a:off x="2189989" y="1106150"/>
+            <a:ext cx="1899551" cy="430887"/>
           </a:xfrm>
           <a:prstGeom prst="rect">
             <a:avLst/>
@@ -4314,8 +4398,8 @@
               <a:t>(“</a:t>
             </a:r>
             <a:r>
-              <a:rPr lang="en-US" dirty="0" err="1" smtClean="0"/>
-              <a:t>swt</a:t>
+              <a:rPr lang="en-US" dirty="0" smtClean="0"/>
+              <a:t>theme dark</a:t>
             </a:r>
             <a:r>
               <a:rPr lang="en-US" dirty="0" smtClean="0"/>
@@ -4333,7 +4417,7 @@
         </p:nvSpPr>
         <p:spPr>
           <a:xfrm>
-            <a:off x="3275122" y="4583052"/>
+            <a:off x="3579922" y="4583052"/>
             <a:ext cx="621216" cy="215444"/>
           </a:xfrm>
           <a:prstGeom prst="rect">
@@ -4373,7 +4457,7 @@
         </p:nvSpPr>
         <p:spPr>
           <a:xfrm>
-            <a:off x="618890" y="4952604"/>
+            <a:off x="923690" y="4952604"/>
             <a:ext cx="762000" cy="215444"/>
           </a:xfrm>
           <a:prstGeom prst="rect">
@@ -4413,7 +4497,7 @@
         </p:nvSpPr>
         <p:spPr>
           <a:xfrm>
-            <a:off x="9290193" y="3822854"/>
+            <a:off x="9594993" y="3822854"/>
             <a:ext cx="1780009" cy="461538"/>
           </a:xfrm>
           <a:prstGeom prst="rect">
@@ -4472,7 +4556,7 @@
         </p:nvSpPr>
         <p:spPr>
           <a:xfrm>
-            <a:off x="10075562" y="4290846"/>
+            <a:off x="10380362" y="4290846"/>
             <a:ext cx="211437" cy="1161270"/>
           </a:xfrm>
           <a:prstGeom prst="rect">
@@ -4519,7 +4603,7 @@
         </p:nvSpPr>
         <p:spPr>
           <a:xfrm>
-            <a:off x="2724792" y="1905793"/>
+            <a:off x="3029592" y="1905793"/>
             <a:ext cx="220343" cy="215444"/>
           </a:xfrm>
           <a:prstGeom prst="rect">
@@ -4559,7 +4643,7 @@
         </p:nvSpPr>
         <p:spPr>
           <a:xfrm>
-            <a:off x="6913351" y="2786342"/>
+            <a:off x="7218151" y="2786342"/>
             <a:ext cx="1560440" cy="432035"/>
           </a:xfrm>
           <a:prstGeom prst="rect">
@@ -4620,7 +4704,7 @@
         </p:nvCxnSpPr>
         <p:spPr>
           <a:xfrm>
-            <a:off x="7693571" y="3225437"/>
+            <a:off x="7998371" y="3225437"/>
             <a:ext cx="0" cy="1294384"/>
           </a:xfrm>
           <a:prstGeom prst="line">
@@ -4657,7 +4741,7 @@
         </p:nvSpPr>
         <p:spPr>
           <a:xfrm>
-            <a:off x="7590649" y="3530238"/>
+            <a:off x="7895449" y="3530238"/>
             <a:ext cx="217409" cy="351475"/>
           </a:xfrm>
           <a:prstGeom prst="rect">
@@ -4704,7 +4788,7 @@
         </p:nvSpPr>
         <p:spPr>
           <a:xfrm>
-            <a:off x="5499381" y="5427997"/>
+            <a:off x="5804181" y="5427997"/>
             <a:ext cx="205402" cy="261610"/>
           </a:xfrm>
           <a:prstGeom prst="rect">
@@ -4737,7 +4821,7 @@
         </p:nvSpPr>
         <p:spPr>
           <a:xfrm>
-            <a:off x="5035976" y="1078096"/>
+            <a:off x="5340776" y="1642290"/>
             <a:ext cx="1513789" cy="643710"/>
           </a:xfrm>
           <a:prstGeom prst="rect">
@@ -4773,12 +4857,12 @@
           <a:p>
             <a:pPr algn="ctr"/>
             <a:r>
-              <a:rPr lang="en-US" sz="1600" smtClean="0">
+              <a:rPr lang="en-US" sz="1600" dirty="0" err="1" smtClean="0">
                 <a:solidFill>
                   <a:schemeClr val="bg1"/>
                 </a:solidFill>
               </a:rPr>
-              <a:t>u:SwitchThemeCommand</a:t>
+              <a:t>u:ThemeCommand</a:t>
             </a:r>
             <a:endParaRPr lang="en-SG" sz="1600" dirty="0">
               <a:solidFill>
@@ -4793,7 +4877,7 @@
           <p:cNvPr id="66" name="Straight Arrow Connector 65">
             <a:extLst>
               <a:ext uri="{FF2B5EF4-FFF2-40B4-BE49-F238E27FC236}">
-                <a16:creationId xmlns="" xmlns:a16="http://schemas.microsoft.com/office/drawing/2014/main" id="{39916E2E-195A-4DC8-B025-B05FA87E6796}"/>
+                <a16:creationId xmlns:a16="http://schemas.microsoft.com/office/drawing/2014/main" xmlns="" id="{39916E2E-195A-4DC8-B025-B05FA87E6796}"/>
               </a:ext>
             </a:extLst>
           </p:cNvPr>
@@ -4804,7 +4888,7 @@
         </p:nvCxnSpPr>
         <p:spPr>
           <a:xfrm>
-            <a:off x="1691351" y="2731314"/>
+            <a:off x="1996151" y="2731314"/>
             <a:ext cx="3832164" cy="1"/>
           </a:xfrm>
           <a:prstGeom prst="straightConnector1">
@@ -4837,7 +4921,7 @@
           <p:cNvPr id="67" name="Straight Arrow Connector 66">
             <a:extLst>
               <a:ext uri="{FF2B5EF4-FFF2-40B4-BE49-F238E27FC236}">
-                <a16:creationId xmlns="" xmlns:a16="http://schemas.microsoft.com/office/drawing/2014/main" id="{D881596E-177C-4FDC-8E60-CAB90B3D5FAB}"/>
+                <a16:creationId xmlns:a16="http://schemas.microsoft.com/office/drawing/2014/main" xmlns="" id="{D881596E-177C-4FDC-8E60-CAB90B3D5FAB}"/>
               </a:ext>
             </a:extLst>
           </p:cNvPr>
@@ -4848,7 +4932,7 @@
         </p:nvCxnSpPr>
         <p:spPr>
           <a:xfrm>
-            <a:off x="1708245" y="1363918"/>
+            <a:off x="2013045" y="1363918"/>
             <a:ext cx="2256705" cy="1"/>
           </a:xfrm>
           <a:prstGeom prst="straightConnector1">
@@ -4881,7 +4965,7 @@
           <p:cNvPr id="69" name="Straight Arrow Connector 68">
             <a:extLst>
               <a:ext uri="{FF2B5EF4-FFF2-40B4-BE49-F238E27FC236}">
-                <a16:creationId xmlns="" xmlns:a16="http://schemas.microsoft.com/office/drawing/2014/main" id="{7C9F21BC-13A9-471F-825A-2621FD36355F}"/>
+                <a16:creationId xmlns:a16="http://schemas.microsoft.com/office/drawing/2014/main" xmlns="" id="{7C9F21BC-13A9-471F-825A-2621FD36355F}"/>
               </a:ext>
             </a:extLst>
           </p:cNvPr>
@@ -4892,7 +4976,7 @@
         </p:nvCxnSpPr>
         <p:spPr>
           <a:xfrm>
-            <a:off x="1694365" y="4828438"/>
+            <a:off x="1999165" y="4828438"/>
             <a:ext cx="3831517" cy="0"/>
           </a:xfrm>
           <a:prstGeom prst="straightConnector1">
@@ -4927,7 +5011,7 @@
           <p:cNvPr id="74" name="Straight Arrow Connector 73">
             <a:extLst>
               <a:ext uri="{FF2B5EF4-FFF2-40B4-BE49-F238E27FC236}">
-                <a16:creationId xmlns="" xmlns:a16="http://schemas.microsoft.com/office/drawing/2014/main" id="{854D9FBB-2B36-4DC9-8B58-F7F177A8E586}"/>
+                <a16:creationId xmlns:a16="http://schemas.microsoft.com/office/drawing/2014/main" xmlns="" id="{854D9FBB-2B36-4DC9-8B58-F7F177A8E586}"/>
               </a:ext>
             </a:extLst>
           </p:cNvPr>
@@ -4938,7 +5022,7 @@
         </p:nvCxnSpPr>
         <p:spPr>
           <a:xfrm>
-            <a:off x="5687810" y="3738032"/>
+            <a:off x="5992610" y="3738032"/>
             <a:ext cx="1902839" cy="0"/>
           </a:xfrm>
           <a:prstGeom prst="straightConnector1">
@@ -4973,7 +5057,7 @@
           <p:cNvPr id="85" name="TextBox 84">
             <a:extLst>
               <a:ext uri="{FF2B5EF4-FFF2-40B4-BE49-F238E27FC236}">
-                <a16:creationId xmlns="" xmlns:a16="http://schemas.microsoft.com/office/drawing/2014/main" id="{ABFA3722-C3DD-4BF5-815F-9CFBE6942C90}"/>
+                <a16:creationId xmlns:a16="http://schemas.microsoft.com/office/drawing/2014/main" xmlns="" id="{ABFA3722-C3DD-4BF5-815F-9CFBE6942C90}"/>
               </a:ext>
             </a:extLst>
           </p:cNvPr>
@@ -4982,7 +5066,7 @@
         </p:nvSpPr>
         <p:spPr>
           <a:xfrm>
-            <a:off x="6193453" y="3503218"/>
+            <a:off x="6498253" y="3503218"/>
             <a:ext cx="767033" cy="184666"/>
           </a:xfrm>
           <a:prstGeom prst="rect">
@@ -5020,7 +5104,7 @@
           <p:cNvPr id="88" name="TextBox 87">
             <a:extLst>
               <a:ext uri="{FF2B5EF4-FFF2-40B4-BE49-F238E27FC236}">
-                <a16:creationId xmlns="" xmlns:a16="http://schemas.microsoft.com/office/drawing/2014/main" id="{B85C6184-7378-4E89-A338-72B1E5056F4F}"/>
+                <a16:creationId xmlns:a16="http://schemas.microsoft.com/office/drawing/2014/main" xmlns="" id="{B85C6184-7378-4E89-A338-72B1E5056F4F}"/>
               </a:ext>
             </a:extLst>
           </p:cNvPr>
@@ -5029,7 +5113,7 @@
         </p:nvSpPr>
         <p:spPr>
           <a:xfrm>
-            <a:off x="5917063" y="5653436"/>
+            <a:off x="6221863" y="5653436"/>
             <a:ext cx="767033" cy="184666"/>
           </a:xfrm>
           <a:prstGeom prst="rect">
@@ -5066,7 +5150,7 @@
           <p:cNvPr id="89" name="Straight Connector 88">
             <a:extLst>
               <a:ext uri="{FF2B5EF4-FFF2-40B4-BE49-F238E27FC236}">
-                <a16:creationId xmlns="" xmlns:a16="http://schemas.microsoft.com/office/drawing/2014/main" id="{E4E1C8CA-49DF-45D8-80A5-D5C8282EE927}"/>
+                <a16:creationId xmlns:a16="http://schemas.microsoft.com/office/drawing/2014/main" xmlns="" id="{E4E1C8CA-49DF-45D8-80A5-D5C8282EE927}"/>
               </a:ext>
             </a:extLst>
           </p:cNvPr>
@@ -5077,7 +5161,7 @@
         </p:nvCxnSpPr>
         <p:spPr>
           <a:xfrm>
-            <a:off x="10151763" y="4301484"/>
+            <a:off x="10456563" y="4301484"/>
             <a:ext cx="0" cy="1150632"/>
           </a:xfrm>
           <a:prstGeom prst="line">
@@ -5116,7 +5200,7 @@
         </p:nvCxnSpPr>
         <p:spPr>
           <a:xfrm flipH="1" flipV="1">
-            <a:off x="5687810" y="3002359"/>
+            <a:off x="5992610" y="3002359"/>
             <a:ext cx="1225541" cy="1"/>
           </a:xfrm>
           <a:prstGeom prst="straightConnector1">
@@ -5156,7 +5240,7 @@
         </p:nvCxnSpPr>
         <p:spPr>
           <a:xfrm>
-            <a:off x="8629879" y="914400"/>
+            <a:off x="8934679" y="914400"/>
             <a:ext cx="24569" cy="3820313"/>
           </a:xfrm>
           <a:prstGeom prst="line">
@@ -5193,7 +5277,7 @@
         </p:nvSpPr>
         <p:spPr>
           <a:xfrm>
-            <a:off x="7808058" y="395471"/>
+            <a:off x="8112858" y="395471"/>
             <a:ext cx="1513789" cy="643710"/>
           </a:xfrm>
           <a:prstGeom prst="rect">
@@ -5260,7 +5344,7 @@
         </p:nvSpPr>
         <p:spPr>
           <a:xfrm>
-            <a:off x="8590639" y="3962400"/>
+            <a:off x="8895439" y="3962400"/>
             <a:ext cx="122883" cy="474456"/>
           </a:xfrm>
           <a:prstGeom prst="rect">
@@ -5311,7 +5395,7 @@
         </p:nvCxnSpPr>
         <p:spPr>
           <a:xfrm flipH="1">
-            <a:off x="8732802" y="4053623"/>
+            <a:off x="9037602" y="4053623"/>
             <a:ext cx="558872" cy="1"/>
           </a:xfrm>
           <a:prstGeom prst="straightConnector1">
@@ -5349,7 +5433,7 @@
         </p:nvSpPr>
         <p:spPr>
           <a:xfrm>
-            <a:off x="8662735" y="3773991"/>
+            <a:off x="8967535" y="3773991"/>
             <a:ext cx="561535" cy="215444"/>
           </a:xfrm>
           <a:prstGeom prst="rect">
@@ -5390,7 +5474,7 @@
         </p:nvSpPr>
         <p:spPr>
           <a:xfrm>
-            <a:off x="5753733" y="4019800"/>
+            <a:off x="6058533" y="4019800"/>
             <a:ext cx="1899551" cy="215444"/>
           </a:xfrm>
           <a:prstGeom prst="rect">
@@ -5437,7 +5521,7 @@
         </p:nvCxnSpPr>
         <p:spPr>
           <a:xfrm>
-            <a:off x="6766341" y="914400"/>
+            <a:off x="7071141" y="914400"/>
             <a:ext cx="20946" cy="4513597"/>
           </a:xfrm>
           <a:prstGeom prst="line">
@@ -5474,7 +5558,7 @@
         </p:nvSpPr>
         <p:spPr>
           <a:xfrm>
-            <a:off x="5944520" y="395471"/>
+            <a:off x="6249320" y="395471"/>
             <a:ext cx="1513789" cy="643710"/>
           </a:xfrm>
           <a:prstGeom prst="rect">
@@ -5541,7 +5625,7 @@
         </p:nvCxnSpPr>
         <p:spPr>
           <a:xfrm>
-            <a:off x="5677610" y="4415518"/>
+            <a:off x="5982410" y="4415518"/>
             <a:ext cx="1069305" cy="18798"/>
           </a:xfrm>
           <a:prstGeom prst="straightConnector1">
@@ -5577,7 +5661,7 @@
         </p:nvSpPr>
         <p:spPr>
           <a:xfrm>
-            <a:off x="6747175" y="4345795"/>
+            <a:off x="7051975" y="4345795"/>
             <a:ext cx="122883" cy="474456"/>
           </a:xfrm>
           <a:prstGeom prst="rect">
@@ -5628,7 +5712,7 @@
         </p:nvSpPr>
         <p:spPr>
           <a:xfrm>
-            <a:off x="5763766" y="4447769"/>
+            <a:off x="6068566" y="4447769"/>
             <a:ext cx="845592" cy="646331"/>
           </a:xfrm>
           <a:prstGeom prst="rect">
@@ -5673,7 +5757,7 @@
         </p:nvCxnSpPr>
         <p:spPr>
           <a:xfrm flipV="1">
-            <a:off x="10244068" y="4519821"/>
+            <a:off x="10548868" y="4519821"/>
             <a:ext cx="1205220" cy="2"/>
           </a:xfrm>
           <a:prstGeom prst="straightConnector1">
@@ -5709,7 +5793,7 @@
         </p:nvSpPr>
         <p:spPr>
           <a:xfrm>
-            <a:off x="10647729" y="413532"/>
+            <a:off x="10952529" y="413532"/>
             <a:ext cx="1513789" cy="643710"/>
           </a:xfrm>
           <a:prstGeom prst="rect">
@@ -5778,7 +5862,7 @@
         </p:nvCxnSpPr>
         <p:spPr>
           <a:xfrm>
-            <a:off x="11508362" y="1075597"/>
+            <a:off x="11813162" y="1075597"/>
             <a:ext cx="33230" cy="5172803"/>
           </a:xfrm>
           <a:prstGeom prst="line">
@@ -5815,7 +5899,7 @@
         </p:nvSpPr>
         <p:spPr>
           <a:xfrm>
-            <a:off x="11477641" y="4466465"/>
+            <a:off x="11782441" y="4466465"/>
             <a:ext cx="94672" cy="810031"/>
           </a:xfrm>
           <a:prstGeom prst="rect">
@@ -5866,7 +5950,7 @@
         </p:nvSpPr>
         <p:spPr>
           <a:xfrm>
-            <a:off x="10524027" y="4275613"/>
+            <a:off x="10828827" y="4275613"/>
             <a:ext cx="561535" cy="215444"/>
           </a:xfrm>
           <a:prstGeom prst="rect">
@@ -5911,7 +5995,7 @@
         </p:nvCxnSpPr>
         <p:spPr>
           <a:xfrm flipH="1" flipV="1">
-            <a:off x="11572313" y="5075404"/>
+            <a:off x="11877113" y="5075404"/>
             <a:ext cx="379428" cy="1146"/>
           </a:xfrm>
           <a:prstGeom prst="straightConnector1">
@@ -5947,7 +6031,7 @@
         </p:nvCxnSpPr>
         <p:spPr>
           <a:xfrm>
-            <a:off x="11572313" y="4770934"/>
+            <a:off x="11877113" y="4770934"/>
             <a:ext cx="379428" cy="0"/>
           </a:xfrm>
           <a:prstGeom prst="line">
@@ -5977,7 +6061,7 @@
         </p:nvCxnSpPr>
         <p:spPr>
           <a:xfrm>
-            <a:off x="11928888" y="4770934"/>
+            <a:off x="12233688" y="4770934"/>
             <a:ext cx="34512" cy="304470"/>
           </a:xfrm>
           <a:prstGeom prst="line">
@@ -6007,7 +6091,7 @@
         </p:nvSpPr>
         <p:spPr>
           <a:xfrm>
-            <a:off x="12013059" y="4690774"/>
+            <a:off x="12317859" y="4690774"/>
             <a:ext cx="1546347" cy="430887"/>
           </a:xfrm>
           <a:prstGeom prst="rect">
@@ -6041,6 +6125,443 @@
               <a:t>()</a:t>
             </a:r>
             <a:endParaRPr lang="en-US" dirty="0"/>
+          </a:p>
+        </p:txBody>
+      </p:sp>
+      <p:sp>
+        <p:nvSpPr>
+          <p:cNvPr id="62" name="Rectangle 62"/>
+          <p:cNvSpPr/>
+          <p:nvPr/>
+        </p:nvSpPr>
+        <p:spPr>
+          <a:xfrm>
+            <a:off x="5017404" y="430409"/>
+            <a:ext cx="1176312" cy="473573"/>
+          </a:xfrm>
+          <a:prstGeom prst="rect">
+            <a:avLst/>
+          </a:prstGeom>
+          <a:solidFill>
+            <a:srgbClr val="0070C0"/>
+          </a:solidFill>
+          <a:ln w="19050">
+            <a:solidFill>
+              <a:srgbClr val="0070C0"/>
+            </a:solidFill>
+          </a:ln>
+          <a:effectLst/>
+        </p:spPr>
+        <p:style>
+          <a:lnRef idx="1">
+            <a:schemeClr val="accent2"/>
+          </a:lnRef>
+          <a:fillRef idx="2">
+            <a:schemeClr val="accent2"/>
+          </a:fillRef>
+          <a:effectRef idx="1">
+            <a:schemeClr val="accent2"/>
+          </a:effectRef>
+          <a:fontRef idx="minor">
+            <a:schemeClr val="dk1"/>
+          </a:fontRef>
+        </p:style>
+        <p:txBody>
+          <a:bodyPr rtlCol="0" anchor="ctr"/>
+          <a:lstStyle/>
+          <a:p>
+            <a:pPr algn="ctr"/>
+            <a:r>
+              <a:rPr lang="en-US" sz="1100" dirty="0" smtClean="0">
+                <a:solidFill>
+                  <a:schemeClr val="bg1"/>
+                </a:solidFill>
+              </a:rPr>
+              <a:t>:</a:t>
+            </a:r>
+            <a:r>
+              <a:rPr lang="en-US" sz="1100" dirty="0" err="1" smtClean="0">
+                <a:solidFill>
+                  <a:schemeClr val="bg1"/>
+                </a:solidFill>
+              </a:rPr>
+              <a:t>ThemeCommandParser</a:t>
+            </a:r>
+            <a:endParaRPr lang="en-SG" sz="1100" dirty="0">
+              <a:solidFill>
+                <a:schemeClr val="bg1"/>
+              </a:solidFill>
+            </a:endParaRPr>
+          </a:p>
+        </p:txBody>
+      </p:sp>
+      <p:cxnSp>
+        <p:nvCxnSpPr>
+          <p:cNvPr id="72" name="Straight Connector 71"/>
+          <p:cNvCxnSpPr>
+            <a:cxnSpLocks/>
+          </p:cNvCxnSpPr>
+          <p:nvPr/>
+        </p:nvCxnSpPr>
+        <p:spPr>
+          <a:xfrm>
+            <a:off x="5153416" y="896603"/>
+            <a:ext cx="20946" cy="4513597"/>
+          </a:xfrm>
+          <a:prstGeom prst="line">
+            <a:avLst/>
+          </a:prstGeom>
+          <a:ln w="19050">
+            <a:solidFill>
+              <a:srgbClr val="0070C0"/>
+            </a:solidFill>
+            <a:prstDash val="sysDash"/>
+          </a:ln>
+          <a:effectLst/>
+        </p:spPr>
+        <p:style>
+          <a:lnRef idx="1">
+            <a:schemeClr val="accent1"/>
+          </a:lnRef>
+          <a:fillRef idx="2">
+            <a:schemeClr val="accent1"/>
+          </a:fillRef>
+          <a:effectRef idx="1">
+            <a:schemeClr val="accent1"/>
+          </a:effectRef>
+          <a:fontRef idx="minor">
+            <a:schemeClr val="dk1"/>
+          </a:fontRef>
+        </p:style>
+      </p:cxnSp>
+      <p:sp>
+        <p:nvSpPr>
+          <p:cNvPr id="73" name="Rectangle 72"/>
+          <p:cNvSpPr/>
+          <p:nvPr/>
+        </p:nvSpPr>
+        <p:spPr>
+          <a:xfrm>
+            <a:off x="5048981" y="1211670"/>
+            <a:ext cx="217409" cy="351475"/>
+          </a:xfrm>
+          <a:prstGeom prst="rect">
+            <a:avLst/>
+          </a:prstGeom>
+          <a:solidFill>
+            <a:srgbClr val="0070C0"/>
+          </a:solidFill>
+          <a:ln>
+            <a:solidFill>
+              <a:srgbClr val="0070C0"/>
+            </a:solidFill>
+          </a:ln>
+          <a:effectLst/>
+        </p:spPr>
+        <p:style>
+          <a:lnRef idx="1">
+            <a:schemeClr val="accent3"/>
+          </a:lnRef>
+          <a:fillRef idx="2">
+            <a:schemeClr val="accent3"/>
+          </a:fillRef>
+          <a:effectRef idx="1">
+            <a:schemeClr val="accent3"/>
+          </a:effectRef>
+          <a:fontRef idx="minor">
+            <a:schemeClr val="dk1"/>
+          </a:fontRef>
+        </p:style>
+        <p:txBody>
+          <a:bodyPr rtlCol="0" anchor="ctr"/>
+          <a:lstStyle/>
+          <a:p>
+            <a:pPr algn="ctr"/>
+            <a:endParaRPr lang="en-SG" sz="1400"/>
+          </a:p>
+        </p:txBody>
+      </p:sp>
+      <p:cxnSp>
+        <p:nvCxnSpPr>
+          <p:cNvPr id="78" name="Straight Arrow Connector 77"/>
+          <p:cNvCxnSpPr/>
+          <p:nvPr/>
+        </p:nvCxnSpPr>
+        <p:spPr>
+          <a:xfrm flipV="1">
+            <a:off x="4257505" y="1393833"/>
+            <a:ext cx="795220" cy="16382"/>
+          </a:xfrm>
+          <a:prstGeom prst="straightConnector1">
+            <a:avLst/>
+          </a:prstGeom>
+          <a:ln w="19050">
+            <a:solidFill>
+              <a:srgbClr val="0070C0"/>
+            </a:solidFill>
+            <a:tailEnd type="arrow"/>
+          </a:ln>
+        </p:spPr>
+        <p:style>
+          <a:lnRef idx="1">
+            <a:schemeClr val="accent1"/>
+          </a:lnRef>
+          <a:fillRef idx="0">
+            <a:schemeClr val="accent1"/>
+          </a:fillRef>
+          <a:effectRef idx="0">
+            <a:schemeClr val="accent1"/>
+          </a:effectRef>
+          <a:fontRef idx="minor">
+            <a:schemeClr val="tx1"/>
+          </a:fontRef>
+        </p:style>
+      </p:cxnSp>
+      <p:cxnSp>
+        <p:nvCxnSpPr>
+          <p:cNvPr id="79" name="Straight Arrow Connector 78"/>
+          <p:cNvCxnSpPr/>
+          <p:nvPr/>
+        </p:nvCxnSpPr>
+        <p:spPr>
+          <a:xfrm>
+            <a:off x="4379177" y="1528557"/>
+            <a:ext cx="795185" cy="0"/>
+          </a:xfrm>
+          <a:prstGeom prst="straightConnector1">
+            <a:avLst/>
+          </a:prstGeom>
+          <a:ln w="19050">
+            <a:solidFill>
+              <a:srgbClr val="0070C0"/>
+            </a:solidFill>
+            <a:prstDash val="sysDash"/>
+            <a:headEnd type="arrow" w="med" len="med"/>
+            <a:tailEnd type="none" w="med" len="med"/>
+          </a:ln>
+        </p:spPr>
+        <p:style>
+          <a:lnRef idx="1">
+            <a:schemeClr val="accent1"/>
+          </a:lnRef>
+          <a:fillRef idx="0">
+            <a:schemeClr val="accent1"/>
+          </a:fillRef>
+          <a:effectRef idx="0">
+            <a:schemeClr val="accent1"/>
+          </a:effectRef>
+          <a:fontRef idx="minor">
+            <a:schemeClr val="tx1"/>
+          </a:fontRef>
+        </p:style>
+      </p:cxnSp>
+      <p:sp>
+        <p:nvSpPr>
+          <p:cNvPr id="90" name="Rectangle 89"/>
+          <p:cNvSpPr/>
+          <p:nvPr/>
+        </p:nvSpPr>
+        <p:spPr>
+          <a:xfrm>
+            <a:off x="5083530" y="1870762"/>
+            <a:ext cx="142042" cy="2145487"/>
+          </a:xfrm>
+          <a:prstGeom prst="rect">
+            <a:avLst/>
+          </a:prstGeom>
+          <a:solidFill>
+            <a:srgbClr val="0070C0"/>
+          </a:solidFill>
+          <a:ln>
+            <a:solidFill>
+              <a:srgbClr val="0070C0"/>
+            </a:solidFill>
+          </a:ln>
+          <a:effectLst/>
+        </p:spPr>
+        <p:style>
+          <a:lnRef idx="1">
+            <a:schemeClr val="accent3"/>
+          </a:lnRef>
+          <a:fillRef idx="2">
+            <a:schemeClr val="accent3"/>
+          </a:fillRef>
+          <a:effectRef idx="1">
+            <a:schemeClr val="accent3"/>
+          </a:effectRef>
+          <a:fontRef idx="minor">
+            <a:schemeClr val="dk1"/>
+          </a:fontRef>
+        </p:style>
+        <p:txBody>
+          <a:bodyPr rtlCol="0" anchor="ctr"/>
+          <a:lstStyle/>
+          <a:p>
+            <a:pPr algn="ctr"/>
+            <a:endParaRPr lang="en-SG" sz="1400"/>
+          </a:p>
+        </p:txBody>
+      </p:sp>
+      <p:cxnSp>
+        <p:nvCxnSpPr>
+          <p:cNvPr id="97" name="Straight Arrow Connector 96"/>
+          <p:cNvCxnSpPr/>
+          <p:nvPr/>
+        </p:nvCxnSpPr>
+        <p:spPr>
+          <a:xfrm>
+            <a:off x="4368248" y="1915700"/>
+            <a:ext cx="706995" cy="3117"/>
+          </a:xfrm>
+          <a:prstGeom prst="straightConnector1">
+            <a:avLst/>
+          </a:prstGeom>
+          <a:ln w="19050">
+            <a:solidFill>
+              <a:srgbClr val="0070C0"/>
+            </a:solidFill>
+            <a:tailEnd type="arrow"/>
+          </a:ln>
+        </p:spPr>
+        <p:style>
+          <a:lnRef idx="1">
+            <a:schemeClr val="accent1"/>
+          </a:lnRef>
+          <a:fillRef idx="0">
+            <a:schemeClr val="accent1"/>
+          </a:fillRef>
+          <a:effectRef idx="0">
+            <a:schemeClr val="accent1"/>
+          </a:effectRef>
+          <a:fontRef idx="minor">
+            <a:schemeClr val="tx1"/>
+          </a:fontRef>
+        </p:style>
+      </p:cxnSp>
+      <p:sp>
+        <p:nvSpPr>
+          <p:cNvPr id="99" name="TextBox 98"/>
+          <p:cNvSpPr txBox="1"/>
+          <p:nvPr/>
+        </p:nvSpPr>
+        <p:spPr>
+          <a:xfrm>
+            <a:off x="4336177" y="1752600"/>
+            <a:ext cx="824557" cy="153888"/>
+          </a:xfrm>
+          <a:prstGeom prst="rect">
+            <a:avLst/>
+          </a:prstGeom>
+          <a:noFill/>
+        </p:spPr>
+        <p:txBody>
+          <a:bodyPr wrap="square" lIns="0" tIns="0" rIns="0" bIns="0" rtlCol="0">
+            <a:spAutoFit/>
+          </a:bodyPr>
+          <a:lstStyle>
+            <a:defPPr>
+              <a:defRPr lang="en-US"/>
+            </a:defPPr>
+            <a:lvl1pPr algn="r">
+              <a:defRPr sz="1400">
+                <a:solidFill>
+                  <a:srgbClr val="0070C0"/>
+                </a:solidFill>
+              </a:defRPr>
+            </a:lvl1pPr>
+          </a:lstStyle>
+          <a:p>
+            <a:r>
+              <a:rPr lang="en-US" sz="1000" dirty="0" smtClean="0"/>
+              <a:t>parse(“</a:t>
+            </a:r>
+            <a:r>
+              <a:rPr lang="en-US" sz="1000" dirty="0" smtClean="0"/>
+              <a:t>dark</a:t>
+            </a:r>
+            <a:r>
+              <a:rPr lang="en-US" sz="1000" dirty="0" smtClean="0"/>
+              <a:t>”)</a:t>
+            </a:r>
+            <a:endParaRPr lang="en-US" sz="1000" dirty="0"/>
+          </a:p>
+        </p:txBody>
+      </p:sp>
+      <p:sp>
+        <p:nvSpPr>
+          <p:cNvPr id="100" name="TextBox 99"/>
+          <p:cNvSpPr txBox="1"/>
+          <p:nvPr/>
+        </p:nvSpPr>
+        <p:spPr>
+          <a:xfrm>
+            <a:off x="4217227" y="2045861"/>
+            <a:ext cx="824557" cy="153888"/>
+          </a:xfrm>
+          <a:prstGeom prst="rect">
+            <a:avLst/>
+          </a:prstGeom>
+          <a:noFill/>
+        </p:spPr>
+        <p:txBody>
+          <a:bodyPr wrap="square" lIns="0" tIns="0" rIns="0" bIns="0" rtlCol="0">
+            <a:spAutoFit/>
+          </a:bodyPr>
+          <a:lstStyle>
+            <a:defPPr>
+              <a:defRPr lang="en-US"/>
+            </a:defPPr>
+            <a:lvl1pPr algn="r">
+              <a:defRPr sz="1400">
+                <a:solidFill>
+                  <a:srgbClr val="0070C0"/>
+                </a:solidFill>
+              </a:defRPr>
+            </a:lvl1pPr>
+          </a:lstStyle>
+          <a:p>
+            <a:r>
+              <a:rPr lang="en-US" sz="1000" dirty="0"/>
+              <a:t>e</a:t>
+            </a:r>
+            <a:r>
+              <a:rPr lang="en-US" sz="1000" dirty="0" smtClean="0"/>
+              <a:t>xecute()</a:t>
+            </a:r>
+            <a:endParaRPr lang="en-US" sz="1000" dirty="0"/>
+          </a:p>
+        </p:txBody>
+      </p:sp>
+      <p:sp>
+        <p:nvSpPr>
+          <p:cNvPr id="101" name="TextBox 100"/>
+          <p:cNvSpPr txBox="1"/>
+          <p:nvPr/>
+        </p:nvSpPr>
+        <p:spPr>
+          <a:xfrm>
+            <a:off x="5029200" y="5423879"/>
+            <a:ext cx="205402" cy="261610"/>
+          </a:xfrm>
+          <a:prstGeom prst="rect">
+            <a:avLst/>
+          </a:prstGeom>
+          <a:noFill/>
+        </p:spPr>
+        <p:txBody>
+          <a:bodyPr wrap="square" rtlCol="0">
+            <a:spAutoFit/>
+          </a:bodyPr>
+          <a:lstStyle/>
+          <a:p>
+            <a:r>
+              <a:rPr lang="en-SG" sz="1100" dirty="0">
+                <a:solidFill>
+                  <a:srgbClr val="002060"/>
+                </a:solidFill>
+              </a:rPr>
+              <a:t>X</a:t>
+            </a:r>
           </a:p>
         </p:txBody>
       </p:sp>
